--- a/web/g22/status/Status7.pptx
+++ b/web/g22/status/Status7.pptx
@@ -4508,8 +4508,12 @@
               </a:spcBef>
             </a:pPr>
             <a:r>
+              <a:rPr lang="da-DK" sz="1600" dirty="0" smtClean="0"/>
+              <a:t>9.15 </a:t>
+            </a:r>
+            <a:r>
               <a:rPr lang="da-DK" sz="1600" dirty="0"/>
-              <a:t>8.45 Status</a:t>
+              <a:t>Status</a:t>
             </a:r>
           </a:p>
           <a:p>
@@ -4519,8 +4523,12 @@
               </a:spcBef>
             </a:pPr>
             <a:r>
+              <a:rPr lang="da-DK" sz="1600" dirty="0" smtClean="0"/>
+              <a:t>9.30 </a:t>
+            </a:r>
+            <a:r>
               <a:rPr lang="da-DK" sz="1600" dirty="0"/>
-              <a:t>9.00 Forelæsning (med en kort pause midtvejs)</a:t>
+              <a:t>Forelæsning (med en kort pause midtvejs)</a:t>
             </a:r>
           </a:p>
           <a:p>
@@ -4531,7 +4539,7 @@
             </a:pPr>
             <a:r>
               <a:rPr lang="da-DK" sz="1600" dirty="0" smtClean="0"/>
-              <a:t>10.30 </a:t>
+              <a:t>10.45 </a:t>
             </a:r>
             <a:r>
               <a:rPr lang="da-DK" sz="1600" dirty="0"/>
@@ -4619,11 +4627,7 @@
             </a:pPr>
             <a:r>
               <a:rPr lang="da-DK" sz="1800" dirty="0" smtClean="0"/>
-              <a:t>Alle </a:t>
-            </a:r>
-            <a:r>
-              <a:rPr lang="da-DK" sz="1800" dirty="0" smtClean="0"/>
-              <a:t>er fint med</a:t>
+              <a:t>Alle er fint med</a:t>
             </a:r>
           </a:p>
           <a:p>
@@ -4634,18 +4638,11 @@
             </a:pPr>
             <a:r>
               <a:rPr lang="da-DK" sz="1600" dirty="0" smtClean="0"/>
-              <a:t>I har lavet en masse henover påskedagene</a:t>
-            </a:r>
-          </a:p>
-          <a:p>
-            <a:pPr marL="742950" lvl="1" indent="-285750">
-              <a:spcBef>
-                <a:spcPts val="600"/>
-              </a:spcBef>
-            </a:pPr>
+              <a:t>De </a:t>
+            </a:r>
             <a:r>
               <a:rPr lang="da-DK" sz="1600" dirty="0" smtClean="0"/>
-              <a:t>De fleste har været i god tid med afleveringsopgaverne</a:t>
+              <a:t>fleste har været i god tid med afleveringsopgaverne</a:t>
             </a:r>
           </a:p>
           <a:p>
@@ -4700,7 +4697,15 @@
             </a:pPr>
             <a:r>
               <a:rPr lang="da-DK" sz="1600" dirty="0" smtClean="0"/>
-              <a:t>Så her er det også godt at komme i gang i god tid</a:t>
+              <a:t>Så her er det </a:t>
+            </a:r>
+            <a:r>
+              <a:rPr lang="da-DK" sz="1600" dirty="0" smtClean="0"/>
+              <a:t>godt </a:t>
+            </a:r>
+            <a:r>
+              <a:rPr lang="da-DK" sz="1600" dirty="0" smtClean="0"/>
+              <a:t>at komme i gang i god tid</a:t>
             </a:r>
             <a:endParaRPr lang="da-DK" sz="1100" dirty="0"/>
           </a:p>
@@ -4814,1194 +4819,6 @@
           <a:chExt cx="0" cy="0"/>
         </a:xfrm>
       </p:grpSpPr>
-      <p:grpSp>
-        <p:nvGrpSpPr>
-          <p:cNvPr id="5" name="Group 4"/>
-          <p:cNvGrpSpPr/>
-          <p:nvPr/>
-        </p:nvGrpSpPr>
-        <p:grpSpPr>
-          <a:xfrm>
-            <a:off x="4356654" y="4334383"/>
-            <a:ext cx="4607834" cy="2301080"/>
-            <a:chOff x="2404957" y="3212976"/>
-            <a:chExt cx="6115050" cy="3533224"/>
-          </a:xfrm>
-        </p:grpSpPr>
-        <p:grpSp>
-          <p:nvGrpSpPr>
-            <p:cNvPr id="6" name="Group 5"/>
-            <p:cNvGrpSpPr/>
-            <p:nvPr/>
-          </p:nvGrpSpPr>
-          <p:grpSpPr>
-            <a:xfrm>
-              <a:off x="2404957" y="3212976"/>
-              <a:ext cx="6115050" cy="3533224"/>
-              <a:chOff x="1521959" y="3264126"/>
-              <a:chExt cx="6115050" cy="3533224"/>
-            </a:xfrm>
-          </p:grpSpPr>
-          <p:pic>
-            <p:nvPicPr>
-              <p:cNvPr id="12" name="Picture 11"/>
-              <p:cNvPicPr>
-                <a:picLocks noChangeAspect="1"/>
-              </p:cNvPicPr>
-              <p:nvPr/>
-            </p:nvPicPr>
-            <p:blipFill>
-              <a:blip r:embed="rId3"/>
-              <a:stretch>
-                <a:fillRect/>
-              </a:stretch>
-            </p:blipFill>
-            <p:spPr>
-              <a:xfrm>
-                <a:off x="1521959" y="3816024"/>
-                <a:ext cx="6115050" cy="2981326"/>
-              </a:xfrm>
-              <a:prstGeom prst="rect">
-                <a:avLst/>
-              </a:prstGeom>
-            </p:spPr>
-          </p:pic>
-          <p:pic>
-            <p:nvPicPr>
-              <p:cNvPr id="13" name="Picture 12"/>
-              <p:cNvPicPr>
-                <a:picLocks noChangeAspect="1"/>
-              </p:cNvPicPr>
-              <p:nvPr/>
-            </p:nvPicPr>
-            <p:blipFill>
-              <a:blip r:embed="rId4"/>
-              <a:stretch>
-                <a:fillRect/>
-              </a:stretch>
-            </p:blipFill>
-            <p:spPr>
-              <a:xfrm>
-                <a:off x="1550534" y="3264126"/>
-                <a:ext cx="6086475" cy="561975"/>
-              </a:xfrm>
-              <a:prstGeom prst="rect">
-                <a:avLst/>
-              </a:prstGeom>
-            </p:spPr>
-          </p:pic>
-        </p:grpSp>
-        <p:sp>
-          <p:nvSpPr>
-            <p:cNvPr id="7" name="Text Box 21"/>
-            <p:cNvSpPr txBox="1">
-              <a:spLocks noChangeArrowheads="1"/>
-            </p:cNvSpPr>
-            <p:nvPr/>
-          </p:nvSpPr>
-          <p:spPr bwMode="auto">
-            <a:xfrm>
-              <a:off x="6300411" y="4042278"/>
-              <a:ext cx="1967510" cy="641408"/>
-            </a:xfrm>
-            <a:prstGeom prst="rect">
-              <a:avLst/>
-            </a:prstGeom>
-            <a:solidFill>
-              <a:schemeClr val="bg1"/>
-            </a:solidFill>
-            <a:ln>
-              <a:noFill/>
-            </a:ln>
-            <a:extLst/>
-          </p:spPr>
-          <p:txBody>
-            <a:bodyPr wrap="square">
-              <a:spAutoFit/>
-            </a:bodyPr>
-            <a:lstStyle>
-              <a:defPPr>
-                <a:defRPr lang="da-DK"/>
-              </a:defPPr>
-              <a:lvl1pPr algn="l" rtl="0" fontAlgn="base">
-                <a:spcBef>
-                  <a:spcPct val="0"/>
-                </a:spcBef>
-                <a:spcAft>
-                  <a:spcPct val="0"/>
-                </a:spcAft>
-                <a:defRPr sz="2000" kern="1200">
-                  <a:solidFill>
-                    <a:srgbClr val="A50021"/>
-                  </a:solidFill>
-                  <a:latin typeface="Arial" pitchFamily="34" charset="0"/>
-                  <a:ea typeface="ＭＳ Ｐゴシック" pitchFamily="34" charset="-128"/>
-                  <a:cs typeface="+mn-cs"/>
-                </a:defRPr>
-              </a:lvl1pPr>
-              <a:lvl2pPr marL="457200" algn="l" rtl="0" fontAlgn="base">
-                <a:spcBef>
-                  <a:spcPct val="0"/>
-                </a:spcBef>
-                <a:spcAft>
-                  <a:spcPct val="0"/>
-                </a:spcAft>
-                <a:defRPr sz="2000" kern="1200">
-                  <a:solidFill>
-                    <a:srgbClr val="A50021"/>
-                  </a:solidFill>
-                  <a:latin typeface="Arial" pitchFamily="34" charset="0"/>
-                  <a:ea typeface="ＭＳ Ｐゴシック" pitchFamily="34" charset="-128"/>
-                  <a:cs typeface="+mn-cs"/>
-                </a:defRPr>
-              </a:lvl2pPr>
-              <a:lvl3pPr marL="914400" algn="l" rtl="0" fontAlgn="base">
-                <a:spcBef>
-                  <a:spcPct val="0"/>
-                </a:spcBef>
-                <a:spcAft>
-                  <a:spcPct val="0"/>
-                </a:spcAft>
-                <a:defRPr sz="2000" kern="1200">
-                  <a:solidFill>
-                    <a:srgbClr val="A50021"/>
-                  </a:solidFill>
-                  <a:latin typeface="Arial" pitchFamily="34" charset="0"/>
-                  <a:ea typeface="ＭＳ Ｐゴシック" pitchFamily="34" charset="-128"/>
-                  <a:cs typeface="+mn-cs"/>
-                </a:defRPr>
-              </a:lvl3pPr>
-              <a:lvl4pPr marL="1371600" algn="l" rtl="0" fontAlgn="base">
-                <a:spcBef>
-                  <a:spcPct val="0"/>
-                </a:spcBef>
-                <a:spcAft>
-                  <a:spcPct val="0"/>
-                </a:spcAft>
-                <a:defRPr sz="2000" kern="1200">
-                  <a:solidFill>
-                    <a:srgbClr val="A50021"/>
-                  </a:solidFill>
-                  <a:latin typeface="Arial" pitchFamily="34" charset="0"/>
-                  <a:ea typeface="ＭＳ Ｐゴシック" pitchFamily="34" charset="-128"/>
-                  <a:cs typeface="+mn-cs"/>
-                </a:defRPr>
-              </a:lvl4pPr>
-              <a:lvl5pPr marL="1828800" algn="l" rtl="0" fontAlgn="base">
-                <a:spcBef>
-                  <a:spcPct val="0"/>
-                </a:spcBef>
-                <a:spcAft>
-                  <a:spcPct val="0"/>
-                </a:spcAft>
-                <a:defRPr sz="2000" kern="1200">
-                  <a:solidFill>
-                    <a:srgbClr val="A50021"/>
-                  </a:solidFill>
-                  <a:latin typeface="Arial" pitchFamily="34" charset="0"/>
-                  <a:ea typeface="ＭＳ Ｐゴシック" pitchFamily="34" charset="-128"/>
-                  <a:cs typeface="+mn-cs"/>
-                </a:defRPr>
-              </a:lvl5pPr>
-              <a:lvl6pPr marL="2286000" algn="l" defTabSz="914400" rtl="0" eaLnBrk="1" latinLnBrk="0" hangingPunct="1">
-                <a:defRPr sz="2000" kern="1200">
-                  <a:solidFill>
-                    <a:srgbClr val="A50021"/>
-                  </a:solidFill>
-                  <a:latin typeface="Arial" pitchFamily="34" charset="0"/>
-                  <a:ea typeface="ＭＳ Ｐゴシック" pitchFamily="34" charset="-128"/>
-                  <a:cs typeface="+mn-cs"/>
-                </a:defRPr>
-              </a:lvl6pPr>
-              <a:lvl7pPr marL="2743200" algn="l" defTabSz="914400" rtl="0" eaLnBrk="1" latinLnBrk="0" hangingPunct="1">
-                <a:defRPr sz="2000" kern="1200">
-                  <a:solidFill>
-                    <a:srgbClr val="A50021"/>
-                  </a:solidFill>
-                  <a:latin typeface="Arial" pitchFamily="34" charset="0"/>
-                  <a:ea typeface="ＭＳ Ｐゴシック" pitchFamily="34" charset="-128"/>
-                  <a:cs typeface="+mn-cs"/>
-                </a:defRPr>
-              </a:lvl7pPr>
-              <a:lvl8pPr marL="3200400" algn="l" defTabSz="914400" rtl="0" eaLnBrk="1" latinLnBrk="0" hangingPunct="1">
-                <a:defRPr sz="2000" kern="1200">
-                  <a:solidFill>
-                    <a:srgbClr val="A50021"/>
-                  </a:solidFill>
-                  <a:latin typeface="Arial" pitchFamily="34" charset="0"/>
-                  <a:ea typeface="ＭＳ Ｐゴシック" pitchFamily="34" charset="-128"/>
-                  <a:cs typeface="+mn-cs"/>
-                </a:defRPr>
-              </a:lvl8pPr>
-              <a:lvl9pPr marL="3657600" algn="l" defTabSz="914400" rtl="0" eaLnBrk="1" latinLnBrk="0" hangingPunct="1">
-                <a:defRPr sz="2000" kern="1200">
-                  <a:solidFill>
-                    <a:srgbClr val="A50021"/>
-                  </a:solidFill>
-                  <a:latin typeface="Arial" pitchFamily="34" charset="0"/>
-                  <a:ea typeface="ＭＳ Ｐゴシック" pitchFamily="34" charset="-128"/>
-                  <a:cs typeface="+mn-cs"/>
-                </a:defRPr>
-              </a:lvl9pPr>
-            </a:lstStyle>
-            <a:p>
-              <a:pPr eaLnBrk="1" hangingPunct="1">
-                <a:spcBef>
-                  <a:spcPct val="50000"/>
-                </a:spcBef>
-                <a:buFontTx/>
-                <a:buNone/>
-              </a:pPr>
-              <a:r>
-                <a:rPr lang="da-DK" altLang="da-DK" sz="1100" b="1" dirty="0" smtClean="0">
-                  <a:solidFill>
-                    <a:schemeClr val="tx1"/>
-                  </a:solidFill>
-                </a:rPr>
-                <a:t>1092 kørsler (mere end 50 per student)</a:t>
-              </a:r>
-              <a:endParaRPr lang="da-DK" altLang="da-DK" sz="1100" b="1" dirty="0">
-                <a:solidFill>
-                  <a:schemeClr val="tx1"/>
-                </a:solidFill>
-              </a:endParaRPr>
-            </a:p>
-          </p:txBody>
-        </p:sp>
-        <p:sp>
-          <p:nvSpPr>
-            <p:cNvPr id="9" name="Text Box 21"/>
-            <p:cNvSpPr txBox="1">
-              <a:spLocks noChangeArrowheads="1"/>
-            </p:cNvSpPr>
-            <p:nvPr/>
-          </p:nvSpPr>
-          <p:spPr bwMode="auto">
-            <a:xfrm>
-              <a:off x="2483768" y="5893321"/>
-              <a:ext cx="495286" cy="377973"/>
-            </a:xfrm>
-            <a:prstGeom prst="rect">
-              <a:avLst/>
-            </a:prstGeom>
-            <a:noFill/>
-            <a:ln>
-              <a:noFill/>
-            </a:ln>
-            <a:extLst>
-              <a:ext uri="{909E8E84-426E-40DD-AFC4-6F175D3DCCD1}">
-                <a14:hiddenFill xmlns:a14="http://schemas.microsoft.com/office/drawing/2010/main">
-                  <a:solidFill>
-                    <a:srgbClr val="FFFFFF"/>
-                  </a:solidFill>
-                </a14:hiddenFill>
-              </a:ext>
-              <a:ext uri="{91240B29-F687-4F45-9708-019B960494DF}">
-                <a14:hiddenLine xmlns:a14="http://schemas.microsoft.com/office/drawing/2010/main" w="9525" algn="ctr">
-                  <a:solidFill>
-                    <a:srgbClr val="000000"/>
-                  </a:solidFill>
-                  <a:miter lim="800000"/>
-                  <a:headEnd/>
-                  <a:tailEnd/>
-                </a14:hiddenLine>
-              </a:ext>
-            </a:extLst>
-          </p:spPr>
-          <p:txBody>
-            <a:bodyPr wrap="square">
-              <a:spAutoFit/>
-            </a:bodyPr>
-            <a:lstStyle>
-              <a:defPPr>
-                <a:defRPr lang="da-DK"/>
-              </a:defPPr>
-              <a:lvl1pPr algn="l" rtl="0" fontAlgn="base">
-                <a:spcBef>
-                  <a:spcPct val="0"/>
-                </a:spcBef>
-                <a:spcAft>
-                  <a:spcPct val="0"/>
-                </a:spcAft>
-                <a:defRPr sz="2000" kern="1200">
-                  <a:solidFill>
-                    <a:srgbClr val="A50021"/>
-                  </a:solidFill>
-                  <a:latin typeface="Arial" pitchFamily="34" charset="0"/>
-                  <a:ea typeface="ＭＳ Ｐゴシック" pitchFamily="34" charset="-128"/>
-                  <a:cs typeface="+mn-cs"/>
-                </a:defRPr>
-              </a:lvl1pPr>
-              <a:lvl2pPr marL="457200" algn="l" rtl="0" fontAlgn="base">
-                <a:spcBef>
-                  <a:spcPct val="0"/>
-                </a:spcBef>
-                <a:spcAft>
-                  <a:spcPct val="0"/>
-                </a:spcAft>
-                <a:defRPr sz="2000" kern="1200">
-                  <a:solidFill>
-                    <a:srgbClr val="A50021"/>
-                  </a:solidFill>
-                  <a:latin typeface="Arial" pitchFamily="34" charset="0"/>
-                  <a:ea typeface="ＭＳ Ｐゴシック" pitchFamily="34" charset="-128"/>
-                  <a:cs typeface="+mn-cs"/>
-                </a:defRPr>
-              </a:lvl2pPr>
-              <a:lvl3pPr marL="914400" algn="l" rtl="0" fontAlgn="base">
-                <a:spcBef>
-                  <a:spcPct val="0"/>
-                </a:spcBef>
-                <a:spcAft>
-                  <a:spcPct val="0"/>
-                </a:spcAft>
-                <a:defRPr sz="2000" kern="1200">
-                  <a:solidFill>
-                    <a:srgbClr val="A50021"/>
-                  </a:solidFill>
-                  <a:latin typeface="Arial" pitchFamily="34" charset="0"/>
-                  <a:ea typeface="ＭＳ Ｐゴシック" pitchFamily="34" charset="-128"/>
-                  <a:cs typeface="+mn-cs"/>
-                </a:defRPr>
-              </a:lvl3pPr>
-              <a:lvl4pPr marL="1371600" algn="l" rtl="0" fontAlgn="base">
-                <a:spcBef>
-                  <a:spcPct val="0"/>
-                </a:spcBef>
-                <a:spcAft>
-                  <a:spcPct val="0"/>
-                </a:spcAft>
-                <a:defRPr sz="2000" kern="1200">
-                  <a:solidFill>
-                    <a:srgbClr val="A50021"/>
-                  </a:solidFill>
-                  <a:latin typeface="Arial" pitchFamily="34" charset="0"/>
-                  <a:ea typeface="ＭＳ Ｐゴシック" pitchFamily="34" charset="-128"/>
-                  <a:cs typeface="+mn-cs"/>
-                </a:defRPr>
-              </a:lvl4pPr>
-              <a:lvl5pPr marL="1828800" algn="l" rtl="0" fontAlgn="base">
-                <a:spcBef>
-                  <a:spcPct val="0"/>
-                </a:spcBef>
-                <a:spcAft>
-                  <a:spcPct val="0"/>
-                </a:spcAft>
-                <a:defRPr sz="2000" kern="1200">
-                  <a:solidFill>
-                    <a:srgbClr val="A50021"/>
-                  </a:solidFill>
-                  <a:latin typeface="Arial" pitchFamily="34" charset="0"/>
-                  <a:ea typeface="ＭＳ Ｐゴシック" pitchFamily="34" charset="-128"/>
-                  <a:cs typeface="+mn-cs"/>
-                </a:defRPr>
-              </a:lvl5pPr>
-              <a:lvl6pPr marL="2286000" algn="l" defTabSz="914400" rtl="0" eaLnBrk="1" latinLnBrk="0" hangingPunct="1">
-                <a:defRPr sz="2000" kern="1200">
-                  <a:solidFill>
-                    <a:srgbClr val="A50021"/>
-                  </a:solidFill>
-                  <a:latin typeface="Arial" pitchFamily="34" charset="0"/>
-                  <a:ea typeface="ＭＳ Ｐゴシック" pitchFamily="34" charset="-128"/>
-                  <a:cs typeface="+mn-cs"/>
-                </a:defRPr>
-              </a:lvl6pPr>
-              <a:lvl7pPr marL="2743200" algn="l" defTabSz="914400" rtl="0" eaLnBrk="1" latinLnBrk="0" hangingPunct="1">
-                <a:defRPr sz="2000" kern="1200">
-                  <a:solidFill>
-                    <a:srgbClr val="A50021"/>
-                  </a:solidFill>
-                  <a:latin typeface="Arial" pitchFamily="34" charset="0"/>
-                  <a:ea typeface="ＭＳ Ｐゴシック" pitchFamily="34" charset="-128"/>
-                  <a:cs typeface="+mn-cs"/>
-                </a:defRPr>
-              </a:lvl7pPr>
-              <a:lvl8pPr marL="3200400" algn="l" defTabSz="914400" rtl="0" eaLnBrk="1" latinLnBrk="0" hangingPunct="1">
-                <a:defRPr sz="2000" kern="1200">
-                  <a:solidFill>
-                    <a:srgbClr val="A50021"/>
-                  </a:solidFill>
-                  <a:latin typeface="Arial" pitchFamily="34" charset="0"/>
-                  <a:ea typeface="ＭＳ Ｐゴシック" pitchFamily="34" charset="-128"/>
-                  <a:cs typeface="+mn-cs"/>
-                </a:defRPr>
-              </a:lvl8pPr>
-              <a:lvl9pPr marL="3657600" algn="l" defTabSz="914400" rtl="0" eaLnBrk="1" latinLnBrk="0" hangingPunct="1">
-                <a:defRPr sz="2000" kern="1200">
-                  <a:solidFill>
-                    <a:srgbClr val="A50021"/>
-                  </a:solidFill>
-                  <a:latin typeface="Arial" pitchFamily="34" charset="0"/>
-                  <a:ea typeface="ＭＳ Ｐゴシック" pitchFamily="34" charset="-128"/>
-                  <a:cs typeface="+mn-cs"/>
-                </a:defRPr>
-              </a:lvl9pPr>
-            </a:lstStyle>
-            <a:p>
-              <a:pPr eaLnBrk="1" hangingPunct="1">
-                <a:spcBef>
-                  <a:spcPct val="50000"/>
-                </a:spcBef>
-                <a:buFontTx/>
-                <a:buNone/>
-              </a:pPr>
-              <a:r>
-                <a:rPr lang="da-DK" altLang="da-DK" sz="1050" b="1" dirty="0" smtClean="0">
-                  <a:solidFill>
-                    <a:schemeClr val="tx1"/>
-                  </a:solidFill>
-                </a:rPr>
-                <a:t>25</a:t>
-              </a:r>
-              <a:endParaRPr lang="da-DK" altLang="da-DK" sz="1050" b="1" dirty="0">
-                <a:solidFill>
-                  <a:schemeClr val="tx1"/>
-                </a:solidFill>
-              </a:endParaRPr>
-            </a:p>
-          </p:txBody>
-        </p:sp>
-        <p:sp>
-          <p:nvSpPr>
-            <p:cNvPr id="10" name="Text Box 21"/>
-            <p:cNvSpPr txBox="1">
-              <a:spLocks noChangeArrowheads="1"/>
-            </p:cNvSpPr>
-            <p:nvPr/>
-          </p:nvSpPr>
-          <p:spPr bwMode="auto">
-            <a:xfrm>
-              <a:off x="2498280" y="5306609"/>
-              <a:ext cx="480775" cy="377973"/>
-            </a:xfrm>
-            <a:prstGeom prst="rect">
-              <a:avLst/>
-            </a:prstGeom>
-            <a:noFill/>
-            <a:ln>
-              <a:noFill/>
-            </a:ln>
-            <a:extLst>
-              <a:ext uri="{909E8E84-426E-40DD-AFC4-6F175D3DCCD1}">
-                <a14:hiddenFill xmlns:a14="http://schemas.microsoft.com/office/drawing/2010/main">
-                  <a:solidFill>
-                    <a:srgbClr val="FFFFFF"/>
-                  </a:solidFill>
-                </a14:hiddenFill>
-              </a:ext>
-              <a:ext uri="{91240B29-F687-4F45-9708-019B960494DF}">
-                <a14:hiddenLine xmlns:a14="http://schemas.microsoft.com/office/drawing/2010/main" w="9525" algn="ctr">
-                  <a:solidFill>
-                    <a:srgbClr val="000000"/>
-                  </a:solidFill>
-                  <a:miter lim="800000"/>
-                  <a:headEnd/>
-                  <a:tailEnd/>
-                </a14:hiddenLine>
-              </a:ext>
-            </a:extLst>
-          </p:spPr>
-          <p:txBody>
-            <a:bodyPr wrap="square">
-              <a:spAutoFit/>
-            </a:bodyPr>
-            <a:lstStyle>
-              <a:defPPr>
-                <a:defRPr lang="da-DK"/>
-              </a:defPPr>
-              <a:lvl1pPr algn="l" rtl="0" fontAlgn="base">
-                <a:spcBef>
-                  <a:spcPct val="0"/>
-                </a:spcBef>
-                <a:spcAft>
-                  <a:spcPct val="0"/>
-                </a:spcAft>
-                <a:defRPr sz="2000" kern="1200">
-                  <a:solidFill>
-                    <a:srgbClr val="A50021"/>
-                  </a:solidFill>
-                  <a:latin typeface="Arial" pitchFamily="34" charset="0"/>
-                  <a:ea typeface="ＭＳ Ｐゴシック" pitchFamily="34" charset="-128"/>
-                  <a:cs typeface="+mn-cs"/>
-                </a:defRPr>
-              </a:lvl1pPr>
-              <a:lvl2pPr marL="457200" algn="l" rtl="0" fontAlgn="base">
-                <a:spcBef>
-                  <a:spcPct val="0"/>
-                </a:spcBef>
-                <a:spcAft>
-                  <a:spcPct val="0"/>
-                </a:spcAft>
-                <a:defRPr sz="2000" kern="1200">
-                  <a:solidFill>
-                    <a:srgbClr val="A50021"/>
-                  </a:solidFill>
-                  <a:latin typeface="Arial" pitchFamily="34" charset="0"/>
-                  <a:ea typeface="ＭＳ Ｐゴシック" pitchFamily="34" charset="-128"/>
-                  <a:cs typeface="+mn-cs"/>
-                </a:defRPr>
-              </a:lvl2pPr>
-              <a:lvl3pPr marL="914400" algn="l" rtl="0" fontAlgn="base">
-                <a:spcBef>
-                  <a:spcPct val="0"/>
-                </a:spcBef>
-                <a:spcAft>
-                  <a:spcPct val="0"/>
-                </a:spcAft>
-                <a:defRPr sz="2000" kern="1200">
-                  <a:solidFill>
-                    <a:srgbClr val="A50021"/>
-                  </a:solidFill>
-                  <a:latin typeface="Arial" pitchFamily="34" charset="0"/>
-                  <a:ea typeface="ＭＳ Ｐゴシック" pitchFamily="34" charset="-128"/>
-                  <a:cs typeface="+mn-cs"/>
-                </a:defRPr>
-              </a:lvl3pPr>
-              <a:lvl4pPr marL="1371600" algn="l" rtl="0" fontAlgn="base">
-                <a:spcBef>
-                  <a:spcPct val="0"/>
-                </a:spcBef>
-                <a:spcAft>
-                  <a:spcPct val="0"/>
-                </a:spcAft>
-                <a:defRPr sz="2000" kern="1200">
-                  <a:solidFill>
-                    <a:srgbClr val="A50021"/>
-                  </a:solidFill>
-                  <a:latin typeface="Arial" pitchFamily="34" charset="0"/>
-                  <a:ea typeface="ＭＳ Ｐゴシック" pitchFamily="34" charset="-128"/>
-                  <a:cs typeface="+mn-cs"/>
-                </a:defRPr>
-              </a:lvl4pPr>
-              <a:lvl5pPr marL="1828800" algn="l" rtl="0" fontAlgn="base">
-                <a:spcBef>
-                  <a:spcPct val="0"/>
-                </a:spcBef>
-                <a:spcAft>
-                  <a:spcPct val="0"/>
-                </a:spcAft>
-                <a:defRPr sz="2000" kern="1200">
-                  <a:solidFill>
-                    <a:srgbClr val="A50021"/>
-                  </a:solidFill>
-                  <a:latin typeface="Arial" pitchFamily="34" charset="0"/>
-                  <a:ea typeface="ＭＳ Ｐゴシック" pitchFamily="34" charset="-128"/>
-                  <a:cs typeface="+mn-cs"/>
-                </a:defRPr>
-              </a:lvl5pPr>
-              <a:lvl6pPr marL="2286000" algn="l" defTabSz="914400" rtl="0" eaLnBrk="1" latinLnBrk="0" hangingPunct="1">
-                <a:defRPr sz="2000" kern="1200">
-                  <a:solidFill>
-                    <a:srgbClr val="A50021"/>
-                  </a:solidFill>
-                  <a:latin typeface="Arial" pitchFamily="34" charset="0"/>
-                  <a:ea typeface="ＭＳ Ｐゴシック" pitchFamily="34" charset="-128"/>
-                  <a:cs typeface="+mn-cs"/>
-                </a:defRPr>
-              </a:lvl6pPr>
-              <a:lvl7pPr marL="2743200" algn="l" defTabSz="914400" rtl="0" eaLnBrk="1" latinLnBrk="0" hangingPunct="1">
-                <a:defRPr sz="2000" kern="1200">
-                  <a:solidFill>
-                    <a:srgbClr val="A50021"/>
-                  </a:solidFill>
-                  <a:latin typeface="Arial" pitchFamily="34" charset="0"/>
-                  <a:ea typeface="ＭＳ Ｐゴシック" pitchFamily="34" charset="-128"/>
-                  <a:cs typeface="+mn-cs"/>
-                </a:defRPr>
-              </a:lvl7pPr>
-              <a:lvl8pPr marL="3200400" algn="l" defTabSz="914400" rtl="0" eaLnBrk="1" latinLnBrk="0" hangingPunct="1">
-                <a:defRPr sz="2000" kern="1200">
-                  <a:solidFill>
-                    <a:srgbClr val="A50021"/>
-                  </a:solidFill>
-                  <a:latin typeface="Arial" pitchFamily="34" charset="0"/>
-                  <a:ea typeface="ＭＳ Ｐゴシック" pitchFamily="34" charset="-128"/>
-                  <a:cs typeface="+mn-cs"/>
-                </a:defRPr>
-              </a:lvl8pPr>
-              <a:lvl9pPr marL="3657600" algn="l" defTabSz="914400" rtl="0" eaLnBrk="1" latinLnBrk="0" hangingPunct="1">
-                <a:defRPr sz="2000" kern="1200">
-                  <a:solidFill>
-                    <a:srgbClr val="A50021"/>
-                  </a:solidFill>
-                  <a:latin typeface="Arial" pitchFamily="34" charset="0"/>
-                  <a:ea typeface="ＭＳ Ｐゴシック" pitchFamily="34" charset="-128"/>
-                  <a:cs typeface="+mn-cs"/>
-                </a:defRPr>
-              </a:lvl9pPr>
-            </a:lstStyle>
-            <a:p>
-              <a:pPr eaLnBrk="1" hangingPunct="1">
-                <a:spcBef>
-                  <a:spcPct val="50000"/>
-                </a:spcBef>
-                <a:buFontTx/>
-                <a:buNone/>
-              </a:pPr>
-              <a:r>
-                <a:rPr lang="da-DK" altLang="da-DK" sz="1050" b="1" dirty="0" smtClean="0">
-                  <a:solidFill>
-                    <a:schemeClr val="tx1"/>
-                  </a:solidFill>
-                </a:rPr>
-                <a:t>50</a:t>
-              </a:r>
-              <a:endParaRPr lang="da-DK" altLang="da-DK" sz="1050" b="1" dirty="0">
-                <a:solidFill>
-                  <a:schemeClr val="tx1"/>
-                </a:solidFill>
-              </a:endParaRPr>
-            </a:p>
-          </p:txBody>
-        </p:sp>
-        <p:sp>
-          <p:nvSpPr>
-            <p:cNvPr id="11" name="Text Box 21"/>
-            <p:cNvSpPr txBox="1">
-              <a:spLocks noChangeArrowheads="1"/>
-            </p:cNvSpPr>
-            <p:nvPr/>
-          </p:nvSpPr>
-          <p:spPr bwMode="auto">
-            <a:xfrm>
-              <a:off x="2499891" y="4683686"/>
-              <a:ext cx="479164" cy="377973"/>
-            </a:xfrm>
-            <a:prstGeom prst="rect">
-              <a:avLst/>
-            </a:prstGeom>
-            <a:noFill/>
-            <a:ln>
-              <a:noFill/>
-            </a:ln>
-            <a:extLst>
-              <a:ext uri="{909E8E84-426E-40DD-AFC4-6F175D3DCCD1}">
-                <a14:hiddenFill xmlns:a14="http://schemas.microsoft.com/office/drawing/2010/main">
-                  <a:solidFill>
-                    <a:srgbClr val="FFFFFF"/>
-                  </a:solidFill>
-                </a14:hiddenFill>
-              </a:ext>
-              <a:ext uri="{91240B29-F687-4F45-9708-019B960494DF}">
-                <a14:hiddenLine xmlns:a14="http://schemas.microsoft.com/office/drawing/2010/main" w="9525" algn="ctr">
-                  <a:solidFill>
-                    <a:srgbClr val="000000"/>
-                  </a:solidFill>
-                  <a:miter lim="800000"/>
-                  <a:headEnd/>
-                  <a:tailEnd/>
-                </a14:hiddenLine>
-              </a:ext>
-            </a:extLst>
-          </p:spPr>
-          <p:txBody>
-            <a:bodyPr wrap="square">
-              <a:spAutoFit/>
-            </a:bodyPr>
-            <a:lstStyle>
-              <a:defPPr>
-                <a:defRPr lang="da-DK"/>
-              </a:defPPr>
-              <a:lvl1pPr algn="l" rtl="0" fontAlgn="base">
-                <a:spcBef>
-                  <a:spcPct val="0"/>
-                </a:spcBef>
-                <a:spcAft>
-                  <a:spcPct val="0"/>
-                </a:spcAft>
-                <a:defRPr sz="2000" kern="1200">
-                  <a:solidFill>
-                    <a:srgbClr val="A50021"/>
-                  </a:solidFill>
-                  <a:latin typeface="Arial" pitchFamily="34" charset="0"/>
-                  <a:ea typeface="ＭＳ Ｐゴシック" pitchFamily="34" charset="-128"/>
-                  <a:cs typeface="+mn-cs"/>
-                </a:defRPr>
-              </a:lvl1pPr>
-              <a:lvl2pPr marL="457200" algn="l" rtl="0" fontAlgn="base">
-                <a:spcBef>
-                  <a:spcPct val="0"/>
-                </a:spcBef>
-                <a:spcAft>
-                  <a:spcPct val="0"/>
-                </a:spcAft>
-                <a:defRPr sz="2000" kern="1200">
-                  <a:solidFill>
-                    <a:srgbClr val="A50021"/>
-                  </a:solidFill>
-                  <a:latin typeface="Arial" pitchFamily="34" charset="0"/>
-                  <a:ea typeface="ＭＳ Ｐゴシック" pitchFamily="34" charset="-128"/>
-                  <a:cs typeface="+mn-cs"/>
-                </a:defRPr>
-              </a:lvl2pPr>
-              <a:lvl3pPr marL="914400" algn="l" rtl="0" fontAlgn="base">
-                <a:spcBef>
-                  <a:spcPct val="0"/>
-                </a:spcBef>
-                <a:spcAft>
-                  <a:spcPct val="0"/>
-                </a:spcAft>
-                <a:defRPr sz="2000" kern="1200">
-                  <a:solidFill>
-                    <a:srgbClr val="A50021"/>
-                  </a:solidFill>
-                  <a:latin typeface="Arial" pitchFamily="34" charset="0"/>
-                  <a:ea typeface="ＭＳ Ｐゴシック" pitchFamily="34" charset="-128"/>
-                  <a:cs typeface="+mn-cs"/>
-                </a:defRPr>
-              </a:lvl3pPr>
-              <a:lvl4pPr marL="1371600" algn="l" rtl="0" fontAlgn="base">
-                <a:spcBef>
-                  <a:spcPct val="0"/>
-                </a:spcBef>
-                <a:spcAft>
-                  <a:spcPct val="0"/>
-                </a:spcAft>
-                <a:defRPr sz="2000" kern="1200">
-                  <a:solidFill>
-                    <a:srgbClr val="A50021"/>
-                  </a:solidFill>
-                  <a:latin typeface="Arial" pitchFamily="34" charset="0"/>
-                  <a:ea typeface="ＭＳ Ｐゴシック" pitchFamily="34" charset="-128"/>
-                  <a:cs typeface="+mn-cs"/>
-                </a:defRPr>
-              </a:lvl4pPr>
-              <a:lvl5pPr marL="1828800" algn="l" rtl="0" fontAlgn="base">
-                <a:spcBef>
-                  <a:spcPct val="0"/>
-                </a:spcBef>
-                <a:spcAft>
-                  <a:spcPct val="0"/>
-                </a:spcAft>
-                <a:defRPr sz="2000" kern="1200">
-                  <a:solidFill>
-                    <a:srgbClr val="A50021"/>
-                  </a:solidFill>
-                  <a:latin typeface="Arial" pitchFamily="34" charset="0"/>
-                  <a:ea typeface="ＭＳ Ｐゴシック" pitchFamily="34" charset="-128"/>
-                  <a:cs typeface="+mn-cs"/>
-                </a:defRPr>
-              </a:lvl5pPr>
-              <a:lvl6pPr marL="2286000" algn="l" defTabSz="914400" rtl="0" eaLnBrk="1" latinLnBrk="0" hangingPunct="1">
-                <a:defRPr sz="2000" kern="1200">
-                  <a:solidFill>
-                    <a:srgbClr val="A50021"/>
-                  </a:solidFill>
-                  <a:latin typeface="Arial" pitchFamily="34" charset="0"/>
-                  <a:ea typeface="ＭＳ Ｐゴシック" pitchFamily="34" charset="-128"/>
-                  <a:cs typeface="+mn-cs"/>
-                </a:defRPr>
-              </a:lvl6pPr>
-              <a:lvl7pPr marL="2743200" algn="l" defTabSz="914400" rtl="0" eaLnBrk="1" latinLnBrk="0" hangingPunct="1">
-                <a:defRPr sz="2000" kern="1200">
-                  <a:solidFill>
-                    <a:srgbClr val="A50021"/>
-                  </a:solidFill>
-                  <a:latin typeface="Arial" pitchFamily="34" charset="0"/>
-                  <a:ea typeface="ＭＳ Ｐゴシック" pitchFamily="34" charset="-128"/>
-                  <a:cs typeface="+mn-cs"/>
-                </a:defRPr>
-              </a:lvl7pPr>
-              <a:lvl8pPr marL="3200400" algn="l" defTabSz="914400" rtl="0" eaLnBrk="1" latinLnBrk="0" hangingPunct="1">
-                <a:defRPr sz="2000" kern="1200">
-                  <a:solidFill>
-                    <a:srgbClr val="A50021"/>
-                  </a:solidFill>
-                  <a:latin typeface="Arial" pitchFamily="34" charset="0"/>
-                  <a:ea typeface="ＭＳ Ｐゴシック" pitchFamily="34" charset="-128"/>
-                  <a:cs typeface="+mn-cs"/>
-                </a:defRPr>
-              </a:lvl8pPr>
-              <a:lvl9pPr marL="3657600" algn="l" defTabSz="914400" rtl="0" eaLnBrk="1" latinLnBrk="0" hangingPunct="1">
-                <a:defRPr sz="2000" kern="1200">
-                  <a:solidFill>
-                    <a:srgbClr val="A50021"/>
-                  </a:solidFill>
-                  <a:latin typeface="Arial" pitchFamily="34" charset="0"/>
-                  <a:ea typeface="ＭＳ Ｐゴシック" pitchFamily="34" charset="-128"/>
-                  <a:cs typeface="+mn-cs"/>
-                </a:defRPr>
-              </a:lvl9pPr>
-            </a:lstStyle>
-            <a:p>
-              <a:pPr eaLnBrk="1" hangingPunct="1">
-                <a:spcBef>
-                  <a:spcPct val="50000"/>
-                </a:spcBef>
-                <a:buFontTx/>
-                <a:buNone/>
-              </a:pPr>
-              <a:r>
-                <a:rPr lang="da-DK" altLang="da-DK" sz="1050" b="1" dirty="0">
-                  <a:solidFill>
-                    <a:schemeClr val="tx1"/>
-                  </a:solidFill>
-                </a:rPr>
-                <a:t>7</a:t>
-              </a:r>
-              <a:r>
-                <a:rPr lang="da-DK" altLang="da-DK" sz="1050" b="1" dirty="0" smtClean="0">
-                  <a:solidFill>
-                    <a:schemeClr val="tx1"/>
-                  </a:solidFill>
-                </a:rPr>
-                <a:t>5</a:t>
-              </a:r>
-              <a:endParaRPr lang="da-DK" altLang="da-DK" sz="1050" b="1" dirty="0">
-                <a:solidFill>
-                  <a:schemeClr val="tx1"/>
-                </a:solidFill>
-              </a:endParaRPr>
-            </a:p>
-          </p:txBody>
-        </p:sp>
-      </p:grpSp>
-      <p:sp>
-        <p:nvSpPr>
-          <p:cNvPr id="14" name="Text Box 21"/>
-          <p:cNvSpPr txBox="1">
-            <a:spLocks noChangeArrowheads="1"/>
-          </p:cNvSpPr>
-          <p:nvPr/>
-        </p:nvSpPr>
-        <p:spPr bwMode="auto">
-          <a:xfrm>
-            <a:off x="6305996" y="4023861"/>
-            <a:ext cx="1482565" cy="261610"/>
-          </a:xfrm>
-          <a:prstGeom prst="rect">
-            <a:avLst/>
-          </a:prstGeom>
-          <a:solidFill>
-            <a:schemeClr val="bg1"/>
-          </a:solidFill>
-          <a:ln>
-            <a:noFill/>
-          </a:ln>
-          <a:extLst/>
-        </p:spPr>
-        <p:txBody>
-          <a:bodyPr wrap="square">
-            <a:spAutoFit/>
-          </a:bodyPr>
-          <a:lstStyle>
-            <a:defPPr>
-              <a:defRPr lang="da-DK"/>
-            </a:defPPr>
-            <a:lvl1pPr algn="l" rtl="0" fontAlgn="base">
-              <a:spcBef>
-                <a:spcPct val="0"/>
-              </a:spcBef>
-              <a:spcAft>
-                <a:spcPct val="0"/>
-              </a:spcAft>
-              <a:defRPr sz="2000" kern="1200">
-                <a:solidFill>
-                  <a:srgbClr val="A50021"/>
-                </a:solidFill>
-                <a:latin typeface="Arial" pitchFamily="34" charset="0"/>
-                <a:ea typeface="ＭＳ Ｐゴシック" pitchFamily="34" charset="-128"/>
-                <a:cs typeface="+mn-cs"/>
-              </a:defRPr>
-            </a:lvl1pPr>
-            <a:lvl2pPr marL="457200" algn="l" rtl="0" fontAlgn="base">
-              <a:spcBef>
-                <a:spcPct val="0"/>
-              </a:spcBef>
-              <a:spcAft>
-                <a:spcPct val="0"/>
-              </a:spcAft>
-              <a:defRPr sz="2000" kern="1200">
-                <a:solidFill>
-                  <a:srgbClr val="A50021"/>
-                </a:solidFill>
-                <a:latin typeface="Arial" pitchFamily="34" charset="0"/>
-                <a:ea typeface="ＭＳ Ｐゴシック" pitchFamily="34" charset="-128"/>
-                <a:cs typeface="+mn-cs"/>
-              </a:defRPr>
-            </a:lvl2pPr>
-            <a:lvl3pPr marL="914400" algn="l" rtl="0" fontAlgn="base">
-              <a:spcBef>
-                <a:spcPct val="0"/>
-              </a:spcBef>
-              <a:spcAft>
-                <a:spcPct val="0"/>
-              </a:spcAft>
-              <a:defRPr sz="2000" kern="1200">
-                <a:solidFill>
-                  <a:srgbClr val="A50021"/>
-                </a:solidFill>
-                <a:latin typeface="Arial" pitchFamily="34" charset="0"/>
-                <a:ea typeface="ＭＳ Ｐゴシック" pitchFamily="34" charset="-128"/>
-                <a:cs typeface="+mn-cs"/>
-              </a:defRPr>
-            </a:lvl3pPr>
-            <a:lvl4pPr marL="1371600" algn="l" rtl="0" fontAlgn="base">
-              <a:spcBef>
-                <a:spcPct val="0"/>
-              </a:spcBef>
-              <a:spcAft>
-                <a:spcPct val="0"/>
-              </a:spcAft>
-              <a:defRPr sz="2000" kern="1200">
-                <a:solidFill>
-                  <a:srgbClr val="A50021"/>
-                </a:solidFill>
-                <a:latin typeface="Arial" pitchFamily="34" charset="0"/>
-                <a:ea typeface="ＭＳ Ｐゴシック" pitchFamily="34" charset="-128"/>
-                <a:cs typeface="+mn-cs"/>
-              </a:defRPr>
-            </a:lvl4pPr>
-            <a:lvl5pPr marL="1828800" algn="l" rtl="0" fontAlgn="base">
-              <a:spcBef>
-                <a:spcPct val="0"/>
-              </a:spcBef>
-              <a:spcAft>
-                <a:spcPct val="0"/>
-              </a:spcAft>
-              <a:defRPr sz="2000" kern="1200">
-                <a:solidFill>
-                  <a:srgbClr val="A50021"/>
-                </a:solidFill>
-                <a:latin typeface="Arial" pitchFamily="34" charset="0"/>
-                <a:ea typeface="ＭＳ Ｐゴシック" pitchFamily="34" charset="-128"/>
-                <a:cs typeface="+mn-cs"/>
-              </a:defRPr>
-            </a:lvl5pPr>
-            <a:lvl6pPr marL="2286000" algn="l" defTabSz="914400" rtl="0" eaLnBrk="1" latinLnBrk="0" hangingPunct="1">
-              <a:defRPr sz="2000" kern="1200">
-                <a:solidFill>
-                  <a:srgbClr val="A50021"/>
-                </a:solidFill>
-                <a:latin typeface="Arial" pitchFamily="34" charset="0"/>
-                <a:ea typeface="ＭＳ Ｐゴシック" pitchFamily="34" charset="-128"/>
-                <a:cs typeface="+mn-cs"/>
-              </a:defRPr>
-            </a:lvl6pPr>
-            <a:lvl7pPr marL="2743200" algn="l" defTabSz="914400" rtl="0" eaLnBrk="1" latinLnBrk="0" hangingPunct="1">
-              <a:defRPr sz="2000" kern="1200">
-                <a:solidFill>
-                  <a:srgbClr val="A50021"/>
-                </a:solidFill>
-                <a:latin typeface="Arial" pitchFamily="34" charset="0"/>
-                <a:ea typeface="ＭＳ Ｐゴシック" pitchFamily="34" charset="-128"/>
-                <a:cs typeface="+mn-cs"/>
-              </a:defRPr>
-            </a:lvl7pPr>
-            <a:lvl8pPr marL="3200400" algn="l" defTabSz="914400" rtl="0" eaLnBrk="1" latinLnBrk="0" hangingPunct="1">
-              <a:defRPr sz="2000" kern="1200">
-                <a:solidFill>
-                  <a:srgbClr val="A50021"/>
-                </a:solidFill>
-                <a:latin typeface="Arial" pitchFamily="34" charset="0"/>
-                <a:ea typeface="ＭＳ Ｐゴシック" pitchFamily="34" charset="-128"/>
-                <a:cs typeface="+mn-cs"/>
-              </a:defRPr>
-            </a:lvl8pPr>
-            <a:lvl9pPr marL="3657600" algn="l" defTabSz="914400" rtl="0" eaLnBrk="1" latinLnBrk="0" hangingPunct="1">
-              <a:defRPr sz="2000" kern="1200">
-                <a:solidFill>
-                  <a:srgbClr val="A50021"/>
-                </a:solidFill>
-                <a:latin typeface="Arial" pitchFamily="34" charset="0"/>
-                <a:ea typeface="ＭＳ Ｐゴシック" pitchFamily="34" charset="-128"/>
-                <a:cs typeface="+mn-cs"/>
-              </a:defRPr>
-            </a:lvl9pPr>
-          </a:lstStyle>
-          <a:p>
-            <a:pPr eaLnBrk="1" hangingPunct="1">
-              <a:spcBef>
-                <a:spcPct val="50000"/>
-              </a:spcBef>
-              <a:buFontTx/>
-              <a:buNone/>
-            </a:pPr>
-            <a:r>
-              <a:rPr lang="da-DK" altLang="da-DK" sz="1100" b="1" dirty="0" smtClean="0">
-                <a:solidFill>
-                  <a:srgbClr val="0000CC"/>
-                </a:solidFill>
-              </a:rPr>
-              <a:t>2. påskedag</a:t>
-            </a:r>
-            <a:endParaRPr lang="da-DK" altLang="da-DK" sz="1100" b="1" dirty="0">
-              <a:solidFill>
-                <a:srgbClr val="0000CC"/>
-              </a:solidFill>
-            </a:endParaRPr>
-          </a:p>
-        </p:txBody>
-      </p:sp>
-      <p:sp>
-        <p:nvSpPr>
-          <p:cNvPr id="15" name="Line 22"/>
-          <p:cNvSpPr>
-            <a:spLocks noChangeShapeType="1"/>
-          </p:cNvSpPr>
-          <p:nvPr/>
-        </p:nvSpPr>
-        <p:spPr bwMode="auto">
-          <a:xfrm flipH="1">
-            <a:off x="6763398" y="4276211"/>
-            <a:ext cx="0" cy="482331"/>
-          </a:xfrm>
-          <a:prstGeom prst="line">
-            <a:avLst/>
-          </a:prstGeom>
-          <a:noFill/>
-          <a:ln w="28575">
-            <a:solidFill>
-              <a:srgbClr val="0000FF"/>
-            </a:solidFill>
-            <a:round/>
-            <a:headEnd/>
-            <a:tailEnd type="triangle" w="lg" len="lg"/>
-          </a:ln>
-          <a:extLst>
-            <a:ext uri="{909E8E84-426E-40DD-AFC4-6F175D3DCCD1}">
-              <a14:hiddenFill xmlns:a14="http://schemas.microsoft.com/office/drawing/2010/main">
-                <a:noFill/>
-              </a14:hiddenFill>
-            </a:ext>
-          </a:extLst>
-        </p:spPr>
-        <p:txBody>
-          <a:bodyPr/>
-          <a:lstStyle>
-            <a:defPPr>
-              <a:defRPr lang="da-DK"/>
-            </a:defPPr>
-            <a:lvl1pPr algn="l" rtl="0" fontAlgn="base">
-              <a:spcBef>
-                <a:spcPct val="0"/>
-              </a:spcBef>
-              <a:spcAft>
-                <a:spcPct val="0"/>
-              </a:spcAft>
-              <a:defRPr sz="2000" kern="1200">
-                <a:solidFill>
-                  <a:srgbClr val="A50021"/>
-                </a:solidFill>
-                <a:latin typeface="Arial" pitchFamily="34" charset="0"/>
-                <a:ea typeface="ＭＳ Ｐゴシック" pitchFamily="34" charset="-128"/>
-                <a:cs typeface="+mn-cs"/>
-              </a:defRPr>
-            </a:lvl1pPr>
-            <a:lvl2pPr marL="457200" algn="l" rtl="0" fontAlgn="base">
-              <a:spcBef>
-                <a:spcPct val="0"/>
-              </a:spcBef>
-              <a:spcAft>
-                <a:spcPct val="0"/>
-              </a:spcAft>
-              <a:defRPr sz="2000" kern="1200">
-                <a:solidFill>
-                  <a:srgbClr val="A50021"/>
-                </a:solidFill>
-                <a:latin typeface="Arial" pitchFamily="34" charset="0"/>
-                <a:ea typeface="ＭＳ Ｐゴシック" pitchFamily="34" charset="-128"/>
-                <a:cs typeface="+mn-cs"/>
-              </a:defRPr>
-            </a:lvl2pPr>
-            <a:lvl3pPr marL="914400" algn="l" rtl="0" fontAlgn="base">
-              <a:spcBef>
-                <a:spcPct val="0"/>
-              </a:spcBef>
-              <a:spcAft>
-                <a:spcPct val="0"/>
-              </a:spcAft>
-              <a:defRPr sz="2000" kern="1200">
-                <a:solidFill>
-                  <a:srgbClr val="A50021"/>
-                </a:solidFill>
-                <a:latin typeface="Arial" pitchFamily="34" charset="0"/>
-                <a:ea typeface="ＭＳ Ｐゴシック" pitchFamily="34" charset="-128"/>
-                <a:cs typeface="+mn-cs"/>
-              </a:defRPr>
-            </a:lvl3pPr>
-            <a:lvl4pPr marL="1371600" algn="l" rtl="0" fontAlgn="base">
-              <a:spcBef>
-                <a:spcPct val="0"/>
-              </a:spcBef>
-              <a:spcAft>
-                <a:spcPct val="0"/>
-              </a:spcAft>
-              <a:defRPr sz="2000" kern="1200">
-                <a:solidFill>
-                  <a:srgbClr val="A50021"/>
-                </a:solidFill>
-                <a:latin typeface="Arial" pitchFamily="34" charset="0"/>
-                <a:ea typeface="ＭＳ Ｐゴシック" pitchFamily="34" charset="-128"/>
-                <a:cs typeface="+mn-cs"/>
-              </a:defRPr>
-            </a:lvl4pPr>
-            <a:lvl5pPr marL="1828800" algn="l" rtl="0" fontAlgn="base">
-              <a:spcBef>
-                <a:spcPct val="0"/>
-              </a:spcBef>
-              <a:spcAft>
-                <a:spcPct val="0"/>
-              </a:spcAft>
-              <a:defRPr sz="2000" kern="1200">
-                <a:solidFill>
-                  <a:srgbClr val="A50021"/>
-                </a:solidFill>
-                <a:latin typeface="Arial" pitchFamily="34" charset="0"/>
-                <a:ea typeface="ＭＳ Ｐゴシック" pitchFamily="34" charset="-128"/>
-                <a:cs typeface="+mn-cs"/>
-              </a:defRPr>
-            </a:lvl5pPr>
-            <a:lvl6pPr marL="2286000" algn="l" defTabSz="914400" rtl="0" eaLnBrk="1" latinLnBrk="0" hangingPunct="1">
-              <a:defRPr sz="2000" kern="1200">
-                <a:solidFill>
-                  <a:srgbClr val="A50021"/>
-                </a:solidFill>
-                <a:latin typeface="Arial" pitchFamily="34" charset="0"/>
-                <a:ea typeface="ＭＳ Ｐゴシック" pitchFamily="34" charset="-128"/>
-                <a:cs typeface="+mn-cs"/>
-              </a:defRPr>
-            </a:lvl6pPr>
-            <a:lvl7pPr marL="2743200" algn="l" defTabSz="914400" rtl="0" eaLnBrk="1" latinLnBrk="0" hangingPunct="1">
-              <a:defRPr sz="2000" kern="1200">
-                <a:solidFill>
-                  <a:srgbClr val="A50021"/>
-                </a:solidFill>
-                <a:latin typeface="Arial" pitchFamily="34" charset="0"/>
-                <a:ea typeface="ＭＳ Ｐゴシック" pitchFamily="34" charset="-128"/>
-                <a:cs typeface="+mn-cs"/>
-              </a:defRPr>
-            </a:lvl7pPr>
-            <a:lvl8pPr marL="3200400" algn="l" defTabSz="914400" rtl="0" eaLnBrk="1" latinLnBrk="0" hangingPunct="1">
-              <a:defRPr sz="2000" kern="1200">
-                <a:solidFill>
-                  <a:srgbClr val="A50021"/>
-                </a:solidFill>
-                <a:latin typeface="Arial" pitchFamily="34" charset="0"/>
-                <a:ea typeface="ＭＳ Ｐゴシック" pitchFamily="34" charset="-128"/>
-                <a:cs typeface="+mn-cs"/>
-              </a:defRPr>
-            </a:lvl8pPr>
-            <a:lvl9pPr marL="3657600" algn="l" defTabSz="914400" rtl="0" eaLnBrk="1" latinLnBrk="0" hangingPunct="1">
-              <a:defRPr sz="2000" kern="1200">
-                <a:solidFill>
-                  <a:srgbClr val="A50021"/>
-                </a:solidFill>
-                <a:latin typeface="Arial" pitchFamily="34" charset="0"/>
-                <a:ea typeface="ＭＳ Ｐゴシック" pitchFamily="34" charset="-128"/>
-                <a:cs typeface="+mn-cs"/>
-              </a:defRPr>
-            </a:lvl9pPr>
-          </a:lstStyle>
-          <a:p>
-            <a:endParaRPr lang="da-DK">
-              <a:solidFill>
-                <a:srgbClr val="FF0000"/>
-              </a:solidFill>
-            </a:endParaRPr>
-          </a:p>
-        </p:txBody>
-      </p:sp>
       <p:sp>
         <p:nvSpPr>
           <p:cNvPr id="4" name="Title 1"/>
@@ -6461,8 +5278,24 @@
             </a:pPr>
             <a:r>
               <a:rPr lang="da-DK" sz="1600" dirty="0" smtClean="0"/>
-              <a:t>Ofte bruger man lige så meget tid på at finde og rette fejl, som man bruger på at skrive koden</a:t>
-            </a:r>
+              <a:t>Ofte bruger man lige så meget tid på at finde og rette fejl, som man bruger på at skrive </a:t>
+            </a:r>
+            <a:r>
+              <a:rPr lang="da-DK" sz="1600" dirty="0" smtClean="0"/>
+              <a:t>koden</a:t>
+            </a:r>
+          </a:p>
+          <a:p>
+            <a:pPr marL="728663" lvl="1" indent="-271463">
+              <a:spcBef>
+                <a:spcPts val="400"/>
+              </a:spcBef>
+            </a:pPr>
+            <a:r>
+              <a:rPr lang="da-DK" sz="1600" dirty="0" smtClean="0"/>
+              <a:t>Det kan godt virke irriterende i starten – men det er noget man må vænne sig til</a:t>
+            </a:r>
+            <a:endParaRPr lang="da-DK" sz="1600" dirty="0" smtClean="0"/>
           </a:p>
           <a:p>
             <a:pPr marL="271463" lvl="1" indent="-271463">
@@ -6477,15 +5310,7 @@
                   <a:srgbClr val="A50021"/>
                 </a:solidFill>
               </a:rPr>
-              <a:t>Nogle af jer opgiver </a:t>
-            </a:r>
-            <a:r>
-              <a:rPr lang="da-DK" sz="1800" b="1" dirty="0" smtClean="0">
-                <a:solidFill>
-                  <a:srgbClr val="A50021"/>
-                </a:solidFill>
-              </a:rPr>
-              <a:t>for </a:t>
+              <a:t>Nogle af jer opgiver for </a:t>
             </a:r>
             <a:r>
               <a:rPr lang="da-DK" sz="1800" b="1" dirty="0">
@@ -6566,18 +5391,15 @@
             </a:r>
             <a:r>
               <a:rPr lang="da-DK" sz="1600" dirty="0" smtClean="0"/>
-              <a:t>have et</a:t>
-            </a:r>
-            <a:br>
+              <a:t>have </a:t>
+            </a:r>
+            <a:r>
               <a:rPr lang="da-DK" sz="1600" dirty="0" smtClean="0"/>
-            </a:br>
-            <a:r>
-              <a:rPr lang="da-DK" sz="1600" dirty="0" err="1" smtClean="0"/>
-              <a:t>webboard</a:t>
+              <a:t>et diskussionsforum, </a:t>
             </a:r>
             <a:r>
               <a:rPr lang="da-DK" sz="1600" dirty="0" smtClean="0"/>
-              <a:t>, hvor man kan få hjælp</a:t>
+              <a:t>hvor man kan få hjælp</a:t>
             </a:r>
           </a:p>
         </p:txBody>
@@ -6804,12 +5626,8 @@
               <a:defRPr/>
             </a:pPr>
             <a:r>
-              <a:rPr lang="da-DK" sz="3200" smtClean="0"/>
-              <a:t>Brug testserveren </a:t>
-            </a:r>
-            <a:r>
               <a:rPr lang="da-DK" sz="3200" dirty="0" smtClean="0"/>
-              <a:t>undervejs</a:t>
+              <a:t>Brug testserveren undervejs</a:t>
             </a:r>
             <a:endParaRPr lang="da-DK" altLang="da-DK" sz="3200" kern="0" dirty="0" smtClean="0">
               <a:ea typeface="ＭＳ Ｐゴシック" pitchFamily="34" charset="-128"/>
@@ -7837,7 +6655,15 @@
             </a:r>
             <a:r>
               <a:rPr lang="da-DK" sz="1600" dirty="0" smtClean="0"/>
-              <a:t>omputerspil 4 skal afleveres senest mandag den 17. maj</a:t>
+              <a:t>omputerspil 4 skal afleveres senest mandag den </a:t>
+            </a:r>
+            <a:r>
+              <a:rPr lang="da-DK" sz="1600" dirty="0" smtClean="0"/>
+              <a:t>16. </a:t>
+            </a:r>
+            <a:r>
+              <a:rPr lang="da-DK" sz="1600" dirty="0" smtClean="0"/>
+              <a:t>maj</a:t>
             </a:r>
           </a:p>
           <a:p>
@@ -7860,23 +6686,28 @@
             </a:pPr>
             <a:r>
               <a:rPr lang="da-DK" sz="1600" spc="-30" dirty="0" smtClean="0"/>
-              <a:t>Hvis I får genaflevering af Computerspil 4 skal dette ske senest mandag den 24. maj  (2. pinsedag)</a:t>
-            </a:r>
+              <a:t>Hvis I får genaflevering af Computerspil 4 skal dette ske senest mandag den </a:t>
+            </a:r>
+            <a:r>
+              <a:rPr lang="da-DK" sz="1600" spc="-30" dirty="0" smtClean="0"/>
+              <a:t>23. maj</a:t>
+            </a:r>
+            <a:endParaRPr lang="da-DK" sz="1600" spc="-30" dirty="0" smtClean="0"/>
           </a:p>
           <a:p>
             <a:pPr marL="271463" lvl="1" indent="-271463">
               <a:spcBef>
-                <a:spcPts val="1000"/>
+                <a:spcPts val="1800"/>
               </a:spcBef>
               <a:buChar char="•"/>
             </a:pPr>
             <a:r>
-              <a:rPr lang="da-DK" sz="1800" b="1" dirty="0" smtClean="0">
+              <a:rPr lang="da-DK" sz="1800" b="1" dirty="0">
                 <a:solidFill>
                   <a:srgbClr val="A50021"/>
                 </a:solidFill>
               </a:rPr>
-              <a:t>Ordinær eksamen </a:t>
+              <a:t>Eksamen </a:t>
             </a:r>
             <a:r>
               <a:rPr lang="da-DK" sz="1800" b="1" dirty="0">
@@ -7887,21 +6718,18 @@
               <a:t>finder sted den </a:t>
             </a:r>
             <a:r>
-              <a:rPr lang="da-DK" sz="1800" b="1" dirty="0" smtClean="0">
+              <a:rPr lang="da-DK" sz="1800" b="1" dirty="0">
                 <a:solidFill>
                   <a:srgbClr val="A50021"/>
                 </a:solidFill>
               </a:rPr>
-              <a:t>27.-28. </a:t>
-            </a:r>
-            <a:r>
-              <a:rPr lang="da-DK" sz="1800" b="1" dirty="0">
-                <a:solidFill>
-                  <a:srgbClr val="A50021"/>
-                </a:solidFill>
-              </a:rPr>
-              <a:t>maj</a:t>
-            </a:r>
+              <a:t>31. maj og 1. juni i det ”sædvanlige” lokale</a:t>
+            </a:r>
+            <a:endParaRPr lang="da-DK" sz="1800" b="1" dirty="0">
+              <a:solidFill>
+                <a:srgbClr val="A50021"/>
+              </a:solidFill>
+            </a:endParaRPr>
           </a:p>
           <a:p>
             <a:pPr marL="742950" lvl="1" indent="-285750">
@@ -7911,8 +6739,37 @@
             </a:pPr>
             <a:r>
               <a:rPr lang="da-DK" sz="1600" dirty="0"/>
-              <a:t>Man kan selv vælge, om man vil op torsdag formiddag, torsdag eftermiddag, fredag formiddag eller fredag eftermiddag</a:t>
-            </a:r>
+              <a:t>Man kan selv vælge, om man vil op </a:t>
+            </a:r>
+            <a:r>
+              <a:rPr lang="da-DK" sz="1600" dirty="0" smtClean="0"/>
+              <a:t>tirsdag </a:t>
+            </a:r>
+            <a:r>
+              <a:rPr lang="da-DK" sz="1600" dirty="0"/>
+              <a:t>formiddag, </a:t>
+            </a:r>
+            <a:r>
+              <a:rPr lang="da-DK" sz="1600" dirty="0" smtClean="0"/>
+              <a:t>tirsdag </a:t>
+            </a:r>
+            <a:r>
+              <a:rPr lang="da-DK" sz="1600" dirty="0"/>
+              <a:t>eftermiddag, </a:t>
+            </a:r>
+            <a:r>
+              <a:rPr lang="da-DK" sz="1600" dirty="0" smtClean="0"/>
+              <a:t>onsdag </a:t>
+            </a:r>
+            <a:r>
+              <a:rPr lang="da-DK" sz="1600" dirty="0"/>
+              <a:t>formiddag eller </a:t>
+            </a:r>
+            <a:r>
+              <a:rPr lang="da-DK" sz="1600" dirty="0" smtClean="0"/>
+              <a:t>onsdag eftermiddag (frist 23. maj)</a:t>
+            </a:r>
+            <a:endParaRPr lang="da-DK" sz="1600" dirty="0"/>
           </a:p>
           <a:p>
             <a:pPr marL="742950" lvl="1" indent="-285750">
@@ -7945,100 +6802,11 @@
             </a:r>
           </a:p>
           <a:p>
-            <a:pPr marL="271463" lvl="1" indent="-271463">
-              <a:spcBef>
-                <a:spcPts val="1000"/>
-              </a:spcBef>
-              <a:buChar char="•"/>
-            </a:pPr>
-            <a:r>
-              <a:rPr lang="da-DK" sz="1800" b="1" dirty="0">
-                <a:solidFill>
-                  <a:srgbClr val="A50021"/>
-                </a:solidFill>
-              </a:rPr>
-              <a:t>Der </a:t>
-            </a:r>
-            <a:r>
-              <a:rPr lang="da-DK" sz="1800" b="1" dirty="0" smtClean="0">
-                <a:solidFill>
-                  <a:srgbClr val="A50021"/>
-                </a:solidFill>
-              </a:rPr>
-              <a:t>eksamineres </a:t>
-            </a:r>
-            <a:r>
-              <a:rPr lang="da-DK" sz="1800" b="1" dirty="0">
-                <a:solidFill>
-                  <a:srgbClr val="A50021"/>
-                </a:solidFill>
-              </a:rPr>
-              <a:t>via Zoom</a:t>
-            </a:r>
-          </a:p>
-          <a:p>
-            <a:pPr marL="742950" lvl="1" indent="-285750">
-              <a:spcBef>
-                <a:spcPts val="600"/>
-              </a:spcBef>
-            </a:pPr>
-            <a:r>
-              <a:rPr lang="da-DK" sz="1600" dirty="0"/>
-              <a:t>Jeg publicerer noget materiale, om, hvordan man kan skrive sine programstumper ved eksamen</a:t>
-            </a:r>
-          </a:p>
-          <a:p>
-            <a:pPr marL="742950" lvl="1" indent="-285750">
-              <a:spcBef>
-                <a:spcPts val="600"/>
-              </a:spcBef>
-            </a:pPr>
-            <a:r>
-              <a:rPr lang="da-DK" sz="1600" spc="-60" dirty="0" smtClean="0"/>
-              <a:t>Da vi ikke har behov for at lave frihåndstegninger, er det nemmeste at anvende et simpelt tekstbehandlingssystem (der ikke er fancy nok til at forsøge at rette diverse ”fejl” undervejs)</a:t>
-            </a:r>
-          </a:p>
-          <a:p>
-            <a:pPr marL="742950" lvl="1" indent="-285750">
-              <a:spcBef>
-                <a:spcPts val="600"/>
-              </a:spcBef>
-            </a:pPr>
-            <a:r>
-              <a:rPr lang="da-DK" sz="1600" dirty="0" smtClean="0"/>
-              <a:t>Man må </a:t>
-            </a:r>
-            <a:r>
-              <a:rPr lang="da-DK" sz="1600" b="1" dirty="0" smtClean="0">
-                <a:solidFill>
-                  <a:srgbClr val="008000"/>
-                </a:solidFill>
-              </a:rPr>
-              <a:t>ikke</a:t>
-            </a:r>
-            <a:r>
-              <a:rPr lang="da-DK" sz="1600" dirty="0" smtClean="0"/>
-              <a:t> anvende BlueJ’s editor</a:t>
-            </a:r>
-          </a:p>
-          <a:p>
-            <a:pPr marL="742950" lvl="1" indent="-285750">
-              <a:spcBef>
-                <a:spcPts val="600"/>
-              </a:spcBef>
-            </a:pPr>
-            <a:r>
-              <a:rPr lang="da-DK" sz="1600" dirty="0" smtClean="0"/>
-              <a:t>Alternativt kan man skrive på et stykke hvidt papir, som man så videooptager via sin mobiltelefon</a:t>
-            </a:r>
-            <a:endParaRPr lang="da-DK" sz="1400" dirty="0"/>
-          </a:p>
-          <a:p>
-            <a:pPr marL="271463" lvl="1" indent="-271463">
+            <a:pPr marL="0" lvl="1">
               <a:spcBef>
                 <a:spcPts val="1200"/>
               </a:spcBef>
-              <a:buChar char="•"/>
+              <a:buNone/>
             </a:pPr>
             <a:endParaRPr lang="da-DK" sz="1800" b="1" dirty="0">
               <a:solidFill>
@@ -8503,7 +7271,23 @@
                   <a:srgbClr val="A50021"/>
                 </a:solidFill>
               </a:rPr>
-              <a:t>kl 15-17 er der </a:t>
+              <a:t>kl </a:t>
+            </a:r>
+            <a:r>
+              <a:rPr lang="da-DK" altLang="da-DK" sz="1800" b="1" spc="-40" dirty="0" smtClean="0">
+                <a:solidFill>
+                  <a:srgbClr val="A50021"/>
+                </a:solidFill>
+              </a:rPr>
+              <a:t>15.30 – 17.00 </a:t>
+            </a:r>
+            <a:r>
+              <a:rPr lang="da-DK" altLang="da-DK" sz="1800" b="1" spc="-40" dirty="0" smtClean="0">
+                <a:solidFill>
+                  <a:srgbClr val="A50021"/>
+                </a:solidFill>
+              </a:rPr>
+              <a:t>er der </a:t>
             </a:r>
             <a:r>
               <a:rPr lang="da-DK" altLang="da-DK" sz="1800" b="1" spc="-40" dirty="0">
@@ -8538,8 +7322,21 @@
             </a:pPr>
             <a:r>
               <a:rPr lang="da-DK" altLang="da-DK" sz="1600" dirty="0" smtClean="0"/>
-              <a:t>De kommende studiecaféer ligger den 23. april, 30. april, 14. maj og 21. maj</a:t>
-            </a:r>
+              <a:t>De kommende studiecaféer ligger den </a:t>
+            </a:r>
+            <a:r>
+              <a:rPr lang="da-DK" altLang="da-DK" sz="1600" dirty="0" smtClean="0"/>
+              <a:t>29. </a:t>
+            </a:r>
+            <a:r>
+              <a:rPr lang="da-DK" altLang="da-DK" sz="1600" dirty="0" smtClean="0"/>
+              <a:t>april</a:t>
+            </a:r>
+            <a:r>
+              <a:rPr lang="da-DK" altLang="da-DK" sz="1600" dirty="0" smtClean="0"/>
+              <a:t>, 6. maj og 20. maj</a:t>
+            </a:r>
+            <a:endParaRPr lang="da-DK" altLang="da-DK" sz="1600" dirty="0" smtClean="0"/>
           </a:p>
           <a:p>
             <a:pPr marL="271463" lvl="1" indent="-271463">
@@ -8612,11 +7409,7 @@
             </a:pPr>
             <a:r>
               <a:rPr lang="da-DK" altLang="da-DK" sz="1600" dirty="0" smtClean="0"/>
-              <a:t>Disponering af </a:t>
-            </a:r>
-            <a:r>
-              <a:rPr lang="da-DK" altLang="da-DK" sz="1600" dirty="0" smtClean="0"/>
-              <a:t>eksamensspørgsmål</a:t>
+              <a:t>Disponering af eksamensspørgsmål</a:t>
             </a:r>
             <a:endParaRPr lang="da-DK" altLang="da-DK" sz="1600" dirty="0"/>
           </a:p>
@@ -8658,301 +7451,6 @@
               </a:spcBef>
             </a:pPr>
             <a:endParaRPr lang="da-DK" altLang="da-DK" sz="1600" dirty="0"/>
-          </a:p>
-        </p:txBody>
-      </p:sp>
-      <p:sp>
-        <p:nvSpPr>
-          <p:cNvPr id="7" name="Content Placeholder 2"/>
-          <p:cNvSpPr txBox="1">
-            <a:spLocks/>
-          </p:cNvSpPr>
-          <p:nvPr/>
-        </p:nvSpPr>
-        <p:spPr bwMode="auto">
-          <a:xfrm>
-            <a:off x="611560" y="3861048"/>
-            <a:ext cx="6490623" cy="2304256"/>
-          </a:xfrm>
-          <a:prstGeom prst="rect">
-            <a:avLst/>
-          </a:prstGeom>
-          <a:noFill/>
-          <a:ln>
-            <a:noFill/>
-          </a:ln>
-          <a:extLst>
-            <a:ext uri="{909E8E84-426E-40DD-AFC4-6F175D3DCCD1}">
-              <a14:hiddenFill xmlns:a14="http://schemas.microsoft.com/office/drawing/2010/main">
-                <a:solidFill>
-                  <a:srgbClr val="FFFFFF"/>
-                </a:solidFill>
-              </a14:hiddenFill>
-            </a:ext>
-            <a:ext uri="{91240B29-F687-4F45-9708-019B960494DF}">
-              <a14:hiddenLine xmlns:a14="http://schemas.microsoft.com/office/drawing/2010/main" w="9525">
-                <a:solidFill>
-                  <a:srgbClr val="000000"/>
-                </a:solidFill>
-                <a:miter lim="800000"/>
-                <a:headEnd/>
-                <a:tailEnd/>
-              </a14:hiddenLine>
-            </a:ext>
-          </a:extLst>
-        </p:spPr>
-        <p:txBody>
-          <a:bodyPr/>
-          <a:lstStyle>
-            <a:lvl1pPr eaLnBrk="0" hangingPunct="0">
-              <a:spcBef>
-                <a:spcPct val="20000"/>
-              </a:spcBef>
-              <a:buChar char="•"/>
-              <a:defRPr sz="2400" b="1">
-                <a:solidFill>
-                  <a:srgbClr val="A50021"/>
-                </a:solidFill>
-                <a:latin typeface="Arial" pitchFamily="34" charset="0"/>
-                <a:ea typeface="ＭＳ Ｐゴシック" pitchFamily="34" charset="-128"/>
-              </a:defRPr>
-            </a:lvl1pPr>
-            <a:lvl2pPr eaLnBrk="0" hangingPunct="0">
-              <a:spcBef>
-                <a:spcPct val="20000"/>
-              </a:spcBef>
-              <a:buChar char="–"/>
-              <a:defRPr sz="2000">
-                <a:solidFill>
-                  <a:srgbClr val="000066"/>
-                </a:solidFill>
-                <a:latin typeface="Arial" pitchFamily="34" charset="0"/>
-                <a:ea typeface="ＭＳ Ｐゴシック" pitchFamily="34" charset="-128"/>
-              </a:defRPr>
-            </a:lvl2pPr>
-            <a:lvl3pPr eaLnBrk="0" hangingPunct="0">
-              <a:spcBef>
-                <a:spcPct val="20000"/>
-              </a:spcBef>
-              <a:buChar char="•"/>
-              <a:defRPr sz="1600">
-                <a:solidFill>
-                  <a:schemeClr val="tx1"/>
-                </a:solidFill>
-                <a:latin typeface="Arial" pitchFamily="34" charset="0"/>
-                <a:ea typeface="ＭＳ Ｐゴシック" pitchFamily="34" charset="-128"/>
-              </a:defRPr>
-            </a:lvl3pPr>
-            <a:lvl4pPr eaLnBrk="0" hangingPunct="0">
-              <a:spcBef>
-                <a:spcPct val="20000"/>
-              </a:spcBef>
-              <a:buChar char="–"/>
-              <a:defRPr sz="1600">
-                <a:solidFill>
-                  <a:schemeClr val="tx1"/>
-                </a:solidFill>
-                <a:latin typeface="Times New Roman" pitchFamily="18" charset="0"/>
-                <a:ea typeface="ＭＳ Ｐゴシック" pitchFamily="34" charset="-128"/>
-              </a:defRPr>
-            </a:lvl4pPr>
-            <a:lvl5pPr eaLnBrk="0" hangingPunct="0">
-              <a:spcBef>
-                <a:spcPct val="20000"/>
-              </a:spcBef>
-              <a:buChar char="»"/>
-              <a:defRPr sz="1200">
-                <a:solidFill>
-                  <a:schemeClr val="tx1"/>
-                </a:solidFill>
-                <a:latin typeface="Times New Roman" pitchFamily="18" charset="0"/>
-                <a:ea typeface="ＭＳ Ｐゴシック" pitchFamily="34" charset="-128"/>
-              </a:defRPr>
-            </a:lvl5pPr>
-            <a:lvl6pPr eaLnBrk="0" fontAlgn="base" hangingPunct="0">
-              <a:spcBef>
-                <a:spcPct val="20000"/>
-              </a:spcBef>
-              <a:spcAft>
-                <a:spcPct val="0"/>
-              </a:spcAft>
-              <a:buChar char="»"/>
-              <a:defRPr sz="1200">
-                <a:solidFill>
-                  <a:schemeClr val="tx1"/>
-                </a:solidFill>
-                <a:latin typeface="Times New Roman" pitchFamily="18" charset="0"/>
-                <a:ea typeface="ＭＳ Ｐゴシック" pitchFamily="34" charset="-128"/>
-              </a:defRPr>
-            </a:lvl6pPr>
-            <a:lvl7pPr eaLnBrk="0" fontAlgn="base" hangingPunct="0">
-              <a:spcBef>
-                <a:spcPct val="20000"/>
-              </a:spcBef>
-              <a:spcAft>
-                <a:spcPct val="0"/>
-              </a:spcAft>
-              <a:buChar char="»"/>
-              <a:defRPr sz="1200">
-                <a:solidFill>
-                  <a:schemeClr val="tx1"/>
-                </a:solidFill>
-                <a:latin typeface="Times New Roman" pitchFamily="18" charset="0"/>
-                <a:ea typeface="ＭＳ Ｐゴシック" pitchFamily="34" charset="-128"/>
-              </a:defRPr>
-            </a:lvl7pPr>
-            <a:lvl8pPr eaLnBrk="0" fontAlgn="base" hangingPunct="0">
-              <a:spcBef>
-                <a:spcPct val="20000"/>
-              </a:spcBef>
-              <a:spcAft>
-                <a:spcPct val="0"/>
-              </a:spcAft>
-              <a:buChar char="»"/>
-              <a:defRPr sz="1200">
-                <a:solidFill>
-                  <a:schemeClr val="tx1"/>
-                </a:solidFill>
-                <a:latin typeface="Times New Roman" pitchFamily="18" charset="0"/>
-                <a:ea typeface="ＭＳ Ｐゴシック" pitchFamily="34" charset="-128"/>
-              </a:defRPr>
-            </a:lvl8pPr>
-            <a:lvl9pPr eaLnBrk="0" fontAlgn="base" hangingPunct="0">
-              <a:spcBef>
-                <a:spcPct val="20000"/>
-              </a:spcBef>
-              <a:spcAft>
-                <a:spcPct val="0"/>
-              </a:spcAft>
-              <a:buChar char="»"/>
-              <a:defRPr sz="1200">
-                <a:solidFill>
-                  <a:schemeClr val="tx1"/>
-                </a:solidFill>
-                <a:latin typeface="Times New Roman" pitchFamily="18" charset="0"/>
-                <a:ea typeface="ＭＳ Ｐゴシック" pitchFamily="34" charset="-128"/>
-              </a:defRPr>
-            </a:lvl9pPr>
-          </a:lstStyle>
-          <a:p>
-            <a:pPr marL="271463" lvl="1" indent="-271463">
-              <a:spcBef>
-                <a:spcPts val="1200"/>
-              </a:spcBef>
-              <a:buFontTx/>
-              <a:buChar char="•"/>
-            </a:pPr>
-            <a:r>
-              <a:rPr lang="da-DK" sz="1800" b="1" dirty="0" smtClean="0">
-                <a:solidFill>
-                  <a:srgbClr val="A50021"/>
-                </a:solidFill>
-              </a:rPr>
-              <a:t>Hvordan synes I, at det går</a:t>
-            </a:r>
-            <a:r>
-              <a:rPr lang="da-DK" sz="1800" b="1" dirty="0">
-                <a:solidFill>
-                  <a:srgbClr val="A50021"/>
-                </a:solidFill>
-              </a:rPr>
-              <a:t>? Er I stadig ved godt mod?</a:t>
-            </a:r>
-          </a:p>
-          <a:p>
-            <a:pPr marL="728663" lvl="1" indent="-271463">
-              <a:spcBef>
-                <a:spcPts val="400"/>
-              </a:spcBef>
-            </a:pPr>
-            <a:r>
-              <a:rPr lang="da-DK" sz="1600" dirty="0" smtClean="0"/>
-              <a:t>Er det hårdt?</a:t>
-            </a:r>
-          </a:p>
-          <a:p>
-            <a:pPr marL="728663" lvl="1" indent="-271463">
-              <a:spcBef>
-                <a:spcPts val="400"/>
-              </a:spcBef>
-            </a:pPr>
-            <a:r>
-              <a:rPr lang="da-DK" sz="1600" dirty="0" smtClean="0"/>
-              <a:t>Er det svært?</a:t>
-            </a:r>
-          </a:p>
-          <a:p>
-            <a:pPr marL="728663" lvl="1" indent="-271463">
-              <a:spcBef>
-                <a:spcPts val="400"/>
-              </a:spcBef>
-            </a:pPr>
-            <a:r>
-              <a:rPr lang="da-DK" sz="1600" dirty="0" smtClean="0"/>
-              <a:t>Har I har den nødvendige tid – eller kan den skaffes?</a:t>
-            </a:r>
-          </a:p>
-          <a:p>
-            <a:pPr marL="271463" lvl="1" indent="-271463">
-              <a:spcBef>
-                <a:spcPts val="1200"/>
-              </a:spcBef>
-              <a:buChar char="•"/>
-            </a:pPr>
-            <a:r>
-              <a:rPr lang="da-DK" sz="1800" b="1" dirty="0">
-                <a:solidFill>
-                  <a:srgbClr val="A50021"/>
-                </a:solidFill>
-              </a:rPr>
-              <a:t>Er der noget vi kan gøre for at hjælpe jer bedre</a:t>
-            </a:r>
-            <a:r>
-              <a:rPr lang="da-DK" sz="1800" b="1" dirty="0" smtClean="0">
-                <a:solidFill>
-                  <a:srgbClr val="A50021"/>
-                </a:solidFill>
-              </a:rPr>
-              <a:t>?</a:t>
-            </a:r>
-          </a:p>
-          <a:p>
-            <a:pPr marL="271463" lvl="1" indent="-271463">
-              <a:spcBef>
-                <a:spcPts val="1200"/>
-              </a:spcBef>
-              <a:buChar char="•"/>
-            </a:pPr>
-            <a:endParaRPr lang="da-DK" b="1" dirty="0">
-              <a:solidFill>
-                <a:srgbClr val="A50021"/>
-              </a:solidFill>
-            </a:endParaRPr>
-          </a:p>
-          <a:p>
-            <a:pPr lvl="1">
-              <a:spcBef>
-                <a:spcPts val="600"/>
-              </a:spcBef>
-              <a:buNone/>
-            </a:pPr>
-            <a:endParaRPr lang="da-DK" sz="1600" dirty="0"/>
-          </a:p>
-          <a:p>
-            <a:pPr marL="742950" lvl="1" indent="-285750">
-              <a:spcBef>
-                <a:spcPts val="400"/>
-              </a:spcBef>
-            </a:pPr>
-            <a:endParaRPr lang="da-DK" sz="1100" dirty="0"/>
-          </a:p>
-          <a:p>
-            <a:pPr marL="742950" lvl="1" indent="-285750">
-              <a:spcBef>
-                <a:spcPts val="400"/>
-              </a:spcBef>
-            </a:pPr>
-            <a:endParaRPr lang="da-DK" sz="1100" dirty="0"/>
           </a:p>
         </p:txBody>
       </p:sp>
@@ -8964,7 +7462,7 @@
         </p:nvSpPr>
         <p:spPr>
           <a:xfrm rot="21165640">
-            <a:off x="1135509" y="5941555"/>
+            <a:off x="2647677" y="4857721"/>
             <a:ext cx="3280124" cy="523220"/>
           </a:xfrm>
           <a:prstGeom prst="rect">
@@ -9058,7 +7556,7 @@
                             </p:stCondLst>
                             <p:childTnLst>
                               <p:par>
-                                <p:cTn id="5" presetID="1" presetClass="entr" presetSubtype="0" fill="hold" grpId="0" nodeType="clickEffect">
+                                <p:cTn id="5" presetID="1" presetClass="entr" presetSubtype="0" fill="hold" nodeType="clickEffect">
                                   <p:stCondLst>
                                     <p:cond delay="0"/>
                                   </p:stCondLst>
@@ -9066,51 +7564,6 @@
                                     <p:set>
                                       <p:cBhvr>
                                         <p:cTn id="6" dur="1" fill="hold">
-                                          <p:stCondLst>
-                                            <p:cond delay="0"/>
-                                          </p:stCondLst>
-                                        </p:cTn>
-                                        <p:tgtEl>
-                                          <p:spTgt spid="7"/>
-                                        </p:tgtEl>
-                                        <p:attrNameLst>
-                                          <p:attrName>style.visibility</p:attrName>
-                                        </p:attrNameLst>
-                                      </p:cBhvr>
-                                      <p:to>
-                                        <p:strVal val="visible"/>
-                                      </p:to>
-                                    </p:set>
-                                  </p:childTnLst>
-                                </p:cTn>
-                              </p:par>
-                            </p:childTnLst>
-                          </p:cTn>
-                        </p:par>
-                      </p:childTnLst>
-                    </p:cTn>
-                  </p:par>
-                  <p:par>
-                    <p:cTn id="7" fill="hold">
-                      <p:stCondLst>
-                        <p:cond delay="indefinite"/>
-                      </p:stCondLst>
-                      <p:childTnLst>
-                        <p:par>
-                          <p:cTn id="8" fill="hold">
-                            <p:stCondLst>
-                              <p:cond delay="0"/>
-                            </p:stCondLst>
-                            <p:childTnLst>
-                              <p:par>
-                                <p:cTn id="9" presetID="1" presetClass="entr" presetSubtype="0" fill="hold" nodeType="clickEffect">
-                                  <p:stCondLst>
-                                    <p:cond delay="0"/>
-                                  </p:stCondLst>
-                                  <p:childTnLst>
-                                    <p:set>
-                                      <p:cBhvr>
-                                        <p:cTn id="10" dur="1" fill="hold">
                                           <p:stCondLst>
                                             <p:cond delay="0"/>
                                           </p:stCondLst>
@@ -9156,9 +7609,6 @@
         </p:cTn>
       </p:par>
     </p:tnLst>
-    <p:bldLst>
-      <p:bldP spid="7" grpId="0"/>
-    </p:bldLst>
   </p:timing>
 </p:sld>
 </file>
